--- a/thesis/figures/sentiment_analysis_tasks.pptx
+++ b/thesis/figures/sentiment_analysis_tasks.pptx
@@ -104,6 +104,11 @@
       </a:defRPr>
     </a:lvl9pPr>
   </p:defaultTextStyle>
+  <p:extLst>
+    <p:ext uri="{EFAFB233-063F-42B5-8137-9DF3F51BA10A}">
+      <p15:sldGuideLst xmlns:p15="http://schemas.microsoft.com/office/powerpoint/2012/main"/>
+    </p:ext>
+  </p:extLst>
 </p:presentation>
 </file>
 
@@ -238,7 +243,7 @@
           <a:p>
             <a:fld id="{7E2F3544-8B26-024D-BBA2-EF776D38F430}" type="datetimeFigureOut">
               <a:rPr lang="en-US" smtClean="0"/>
-              <a:t>3/10/17</a:t>
+              <a:t>3/11/17</a:t>
             </a:fld>
             <a:endParaRPr lang="en-US"/>
           </a:p>
@@ -408,7 +413,7 @@
           <a:p>
             <a:fld id="{7E2F3544-8B26-024D-BBA2-EF776D38F430}" type="datetimeFigureOut">
               <a:rPr lang="en-US" smtClean="0"/>
-              <a:t>3/10/17</a:t>
+              <a:t>3/11/17</a:t>
             </a:fld>
             <a:endParaRPr lang="en-US"/>
           </a:p>
@@ -588,7 +593,7 @@
           <a:p>
             <a:fld id="{7E2F3544-8B26-024D-BBA2-EF776D38F430}" type="datetimeFigureOut">
               <a:rPr lang="en-US" smtClean="0"/>
-              <a:t>3/10/17</a:t>
+              <a:t>3/11/17</a:t>
             </a:fld>
             <a:endParaRPr lang="en-US"/>
           </a:p>
@@ -758,7 +763,7 @@
           <a:p>
             <a:fld id="{7E2F3544-8B26-024D-BBA2-EF776D38F430}" type="datetimeFigureOut">
               <a:rPr lang="en-US" smtClean="0"/>
-              <a:t>3/10/17</a:t>
+              <a:t>3/11/17</a:t>
             </a:fld>
             <a:endParaRPr lang="en-US"/>
           </a:p>
@@ -1004,7 +1009,7 @@
           <a:p>
             <a:fld id="{7E2F3544-8B26-024D-BBA2-EF776D38F430}" type="datetimeFigureOut">
               <a:rPr lang="en-US" smtClean="0"/>
-              <a:t>3/10/17</a:t>
+              <a:t>3/11/17</a:t>
             </a:fld>
             <a:endParaRPr lang="en-US"/>
           </a:p>
@@ -1236,7 +1241,7 @@
           <a:p>
             <a:fld id="{7E2F3544-8B26-024D-BBA2-EF776D38F430}" type="datetimeFigureOut">
               <a:rPr lang="en-US" smtClean="0"/>
-              <a:t>3/10/17</a:t>
+              <a:t>3/11/17</a:t>
             </a:fld>
             <a:endParaRPr lang="en-US"/>
           </a:p>
@@ -1603,7 +1608,7 @@
           <a:p>
             <a:fld id="{7E2F3544-8B26-024D-BBA2-EF776D38F430}" type="datetimeFigureOut">
               <a:rPr lang="en-US" smtClean="0"/>
-              <a:t>3/10/17</a:t>
+              <a:t>3/11/17</a:t>
             </a:fld>
             <a:endParaRPr lang="en-US"/>
           </a:p>
@@ -1721,7 +1726,7 @@
           <a:p>
             <a:fld id="{7E2F3544-8B26-024D-BBA2-EF776D38F430}" type="datetimeFigureOut">
               <a:rPr lang="en-US" smtClean="0"/>
-              <a:t>3/10/17</a:t>
+              <a:t>3/11/17</a:t>
             </a:fld>
             <a:endParaRPr lang="en-US"/>
           </a:p>
@@ -1816,7 +1821,7 @@
           <a:p>
             <a:fld id="{7E2F3544-8B26-024D-BBA2-EF776D38F430}" type="datetimeFigureOut">
               <a:rPr lang="en-US" smtClean="0"/>
-              <a:t>3/10/17</a:t>
+              <a:t>3/11/17</a:t>
             </a:fld>
             <a:endParaRPr lang="en-US"/>
           </a:p>
@@ -2093,7 +2098,7 @@
           <a:p>
             <a:fld id="{7E2F3544-8B26-024D-BBA2-EF776D38F430}" type="datetimeFigureOut">
               <a:rPr lang="en-US" smtClean="0"/>
-              <a:t>3/10/17</a:t>
+              <a:t>3/11/17</a:t>
             </a:fld>
             <a:endParaRPr lang="en-US"/>
           </a:p>
@@ -2346,7 +2351,7 @@
           <a:p>
             <a:fld id="{7E2F3544-8B26-024D-BBA2-EF776D38F430}" type="datetimeFigureOut">
               <a:rPr lang="en-US" smtClean="0"/>
-              <a:t>3/10/17</a:t>
+              <a:t>3/11/17</a:t>
             </a:fld>
             <a:endParaRPr lang="en-US"/>
           </a:p>
@@ -2559,7 +2564,7 @@
           <a:p>
             <a:fld id="{7E2F3544-8B26-024D-BBA2-EF776D38F430}" type="datetimeFigureOut">
               <a:rPr lang="en-US" smtClean="0"/>
-              <a:t>3/10/17</a:t>
+              <a:t>3/11/17</a:t>
             </a:fld>
             <a:endParaRPr lang="en-US"/>
           </a:p>
@@ -2972,7 +2977,7 @@
         </p:nvSpPr>
         <p:spPr>
           <a:xfrm>
-            <a:off x="199525" y="3480628"/>
+            <a:off x="5314275" y="125313"/>
             <a:ext cx="1460500" cy="497758"/>
           </a:xfrm>
           <a:prstGeom prst="roundRect">
@@ -3030,7 +3035,7 @@
         </p:nvSpPr>
         <p:spPr>
           <a:xfrm>
-            <a:off x="2191750" y="686840"/>
+            <a:off x="267025" y="998760"/>
             <a:ext cx="1536700" cy="487028"/>
           </a:xfrm>
           <a:prstGeom prst="roundRect">
@@ -3088,8 +3093,8 @@
         </p:nvSpPr>
         <p:spPr>
           <a:xfrm>
-            <a:off x="2191750" y="1727720"/>
-            <a:ext cx="1536700" cy="487028"/>
+            <a:off x="2019888" y="1002187"/>
+            <a:ext cx="1536700" cy="483598"/>
           </a:xfrm>
           <a:prstGeom prst="roundRect">
             <a:avLst/>
@@ -3146,8 +3151,8 @@
         </p:nvSpPr>
         <p:spPr>
           <a:xfrm>
-            <a:off x="2191750" y="2763184"/>
-            <a:ext cx="1536700" cy="736080"/>
+            <a:off x="3818589" y="998757"/>
+            <a:ext cx="1955125" cy="487028"/>
           </a:xfrm>
           <a:prstGeom prst="roundRect">
             <a:avLst/>
@@ -3186,15 +3191,7 @@
                   <a:schemeClr val="tx1"/>
                 </a:solidFill>
               </a:rPr>
-              <a:t>Review </a:t>
-            </a:r>
-            <a:r>
-              <a:rPr lang="en-US" sz="1400" smtClean="0">
-                <a:solidFill>
-                  <a:schemeClr val="tx1"/>
-                </a:solidFill>
-              </a:rPr>
-              <a:t>Usefulness Measurement</a:t>
+              <a:t>Review Usefulness Measurement</a:t>
             </a:r>
             <a:endParaRPr lang="en-US" sz="1400" dirty="0">
               <a:solidFill>
@@ -3212,8 +3209,8 @@
         </p:nvSpPr>
         <p:spPr>
           <a:xfrm>
-            <a:off x="2191750" y="4047700"/>
-            <a:ext cx="1536700" cy="487028"/>
+            <a:off x="6035715" y="1002187"/>
+            <a:ext cx="1536700" cy="483595"/>
           </a:xfrm>
           <a:prstGeom prst="roundRect">
             <a:avLst/>
@@ -3247,12 +3244,28 @@
           <a:p>
             <a:pPr algn="ctr"/>
             <a:r>
+              <a:rPr lang="en-US" sz="1400" smtClean="0">
+                <a:solidFill>
+                  <a:schemeClr val="tx1"/>
+                </a:solidFill>
+              </a:rPr>
+              <a:t>Opinion </a:t>
+            </a:r>
+            <a:r>
+              <a:rPr lang="en-US" sz="1400" smtClean="0">
+                <a:solidFill>
+                  <a:schemeClr val="tx1"/>
+                </a:solidFill>
+              </a:rPr>
+              <a:t>Spam </a:t>
+            </a:r>
+            <a:r>
               <a:rPr lang="en-US" sz="1400" dirty="0" smtClean="0">
                 <a:solidFill>
                   <a:schemeClr val="tx1"/>
                 </a:solidFill>
               </a:rPr>
-              <a:t>Opinion Span Detection</a:t>
+              <a:t>Detection</a:t>
             </a:r>
             <a:endParaRPr lang="en-US" sz="1400" dirty="0">
               <a:solidFill>
@@ -3270,8 +3283,8 @@
         </p:nvSpPr>
         <p:spPr>
           <a:xfrm>
-            <a:off x="2191750" y="5083164"/>
-            <a:ext cx="1536700" cy="487028"/>
+            <a:off x="7768191" y="1002186"/>
+            <a:ext cx="1536700" cy="483596"/>
           </a:xfrm>
           <a:prstGeom prst="roundRect">
             <a:avLst/>
@@ -3328,8 +3341,8 @@
         </p:nvSpPr>
         <p:spPr>
           <a:xfrm>
-            <a:off x="2191750" y="6118628"/>
-            <a:ext cx="1536700" cy="487028"/>
+            <a:off x="9546506" y="998756"/>
+            <a:ext cx="1536700" cy="487026"/>
           </a:xfrm>
           <a:prstGeom prst="roundRect">
             <a:avLst/>
@@ -3386,8 +3399,8 @@
         </p:nvSpPr>
         <p:spPr>
           <a:xfrm>
-            <a:off x="4260175" y="394362"/>
-            <a:ext cx="1656350" cy="487028"/>
+            <a:off x="453851" y="1856083"/>
+            <a:ext cx="1634513" cy="487028"/>
           </a:xfrm>
           <a:prstGeom prst="roundRect">
             <a:avLst/>
@@ -3444,8 +3457,8 @@
         </p:nvSpPr>
         <p:spPr>
           <a:xfrm>
-            <a:off x="4260175" y="1030330"/>
-            <a:ext cx="1656350" cy="720646"/>
+            <a:off x="2399500" y="1861467"/>
+            <a:ext cx="1837177" cy="481644"/>
           </a:xfrm>
           <a:prstGeom prst="roundRect">
             <a:avLst/>
@@ -3510,8 +3523,8 @@
         </p:nvSpPr>
         <p:spPr>
           <a:xfrm>
-            <a:off x="4260175" y="1897354"/>
-            <a:ext cx="1656350" cy="875467"/>
+            <a:off x="4553362" y="1856084"/>
+            <a:ext cx="2353995" cy="487027"/>
           </a:xfrm>
           <a:prstGeom prst="roundRect">
             <a:avLst/>
@@ -3568,8 +3581,8 @@
         </p:nvSpPr>
         <p:spPr>
           <a:xfrm>
-            <a:off x="4260175" y="2917222"/>
-            <a:ext cx="1656350" cy="866339"/>
+            <a:off x="7176206" y="1856083"/>
+            <a:ext cx="2013138" cy="487028"/>
           </a:xfrm>
           <a:prstGeom prst="roundRect">
             <a:avLst/>
@@ -3622,54 +3635,15 @@
         <p:nvCxnSpPr>
           <p:cNvPr id="16" name="Elbow Connector 15"/>
           <p:cNvCxnSpPr>
-            <a:stCxn id="4" idx="3"/>
-            <a:endCxn id="5" idx="1"/>
+            <a:stCxn id="4" idx="2"/>
+            <a:endCxn id="5" idx="0"/>
           </p:cNvCxnSpPr>
           <p:nvPr/>
         </p:nvCxnSpPr>
         <p:spPr>
-          <a:xfrm flipV="1">
-            <a:off x="1660025" y="930354"/>
-            <a:ext cx="531725" cy="2799153"/>
-          </a:xfrm>
-          <a:prstGeom prst="bentConnector3">
-            <a:avLst/>
-          </a:prstGeom>
-          <a:ln>
-            <a:solidFill>
-              <a:schemeClr val="tx1"/>
-            </a:solidFill>
-            <a:tailEnd type="triangle"/>
-          </a:ln>
-        </p:spPr>
-        <p:style>
-          <a:lnRef idx="1">
-            <a:schemeClr val="accent1"/>
-          </a:lnRef>
-          <a:fillRef idx="0">
-            <a:schemeClr val="accent1"/>
-          </a:fillRef>
-          <a:effectRef idx="0">
-            <a:schemeClr val="accent1"/>
-          </a:effectRef>
-          <a:fontRef idx="minor">
-            <a:schemeClr val="tx1"/>
-          </a:fontRef>
-        </p:style>
-      </p:cxnSp>
-      <p:cxnSp>
-        <p:nvCxnSpPr>
-          <p:cNvPr id="17" name="Elbow Connector 16"/>
-          <p:cNvCxnSpPr>
-            <a:stCxn id="4" idx="3"/>
-            <a:endCxn id="6" idx="1"/>
-          </p:cNvCxnSpPr>
-          <p:nvPr/>
-        </p:nvCxnSpPr>
-        <p:spPr>
-          <a:xfrm flipV="1">
-            <a:off x="1660025" y="1971234"/>
-            <a:ext cx="531725" cy="1758273"/>
+          <a:xfrm rot="5400000">
+            <a:off x="3352106" y="-1693660"/>
+            <a:ext cx="375689" cy="5009150"/>
           </a:xfrm>
           <a:prstGeom prst="bentConnector3">
             <a:avLst>
@@ -3700,17 +3674,17 @@
       </p:cxnSp>
       <p:cxnSp>
         <p:nvCxnSpPr>
-          <p:cNvPr id="20" name="Elbow Connector 19"/>
+          <p:cNvPr id="17" name="Elbow Connector 16"/>
           <p:cNvCxnSpPr>
-            <a:stCxn id="4" idx="3"/>
-            <a:endCxn id="7" idx="1"/>
+            <a:stCxn id="4" idx="2"/>
+            <a:endCxn id="6" idx="0"/>
           </p:cNvCxnSpPr>
           <p:nvPr/>
         </p:nvCxnSpPr>
         <p:spPr>
-          <a:xfrm flipV="1">
-            <a:off x="1660025" y="3131224"/>
-            <a:ext cx="531725" cy="598283"/>
+          <a:xfrm rot="5400000">
+            <a:off x="4226824" y="-815514"/>
+            <a:ext cx="379116" cy="3256287"/>
           </a:xfrm>
           <a:prstGeom prst="bentConnector3">
             <a:avLst>
@@ -3741,17 +3715,17 @@
       </p:cxnSp>
       <p:cxnSp>
         <p:nvCxnSpPr>
-          <p:cNvPr id="31" name="Elbow Connector 30"/>
+          <p:cNvPr id="20" name="Elbow Connector 19"/>
           <p:cNvCxnSpPr>
-            <a:stCxn id="4" idx="3"/>
-            <a:endCxn id="8" idx="1"/>
+            <a:stCxn id="4" idx="2"/>
+            <a:endCxn id="7" idx="0"/>
           </p:cNvCxnSpPr>
           <p:nvPr/>
         </p:nvCxnSpPr>
         <p:spPr>
-          <a:xfrm>
-            <a:off x="1660025" y="3729507"/>
-            <a:ext cx="531725" cy="561707"/>
+          <a:xfrm rot="5400000">
+            <a:off x="5232496" y="186728"/>
+            <a:ext cx="375686" cy="1248373"/>
           </a:xfrm>
           <a:prstGeom prst="bentConnector3">
             <a:avLst>
@@ -3782,17 +3756,17 @@
       </p:cxnSp>
       <p:cxnSp>
         <p:nvCxnSpPr>
-          <p:cNvPr id="34" name="Elbow Connector 33"/>
+          <p:cNvPr id="31" name="Elbow Connector 30"/>
           <p:cNvCxnSpPr>
-            <a:stCxn id="4" idx="3"/>
-            <a:endCxn id="9" idx="1"/>
+            <a:stCxn id="4" idx="2"/>
+            <a:endCxn id="8" idx="0"/>
           </p:cNvCxnSpPr>
           <p:nvPr/>
         </p:nvCxnSpPr>
         <p:spPr>
-          <a:xfrm>
-            <a:off x="1660025" y="3729507"/>
-            <a:ext cx="531725" cy="1597171"/>
+          <a:xfrm rot="16200000" flipH="1">
+            <a:off x="6234737" y="432859"/>
+            <a:ext cx="379116" cy="759540"/>
           </a:xfrm>
           <a:prstGeom prst="bentConnector3">
             <a:avLst>
@@ -3823,17 +3797,17 @@
       </p:cxnSp>
       <p:cxnSp>
         <p:nvCxnSpPr>
-          <p:cNvPr id="37" name="Elbow Connector 36"/>
+          <p:cNvPr id="34" name="Elbow Connector 33"/>
           <p:cNvCxnSpPr>
-            <a:stCxn id="4" idx="3"/>
-            <a:endCxn id="10" idx="1"/>
+            <a:stCxn id="4" idx="2"/>
+            <a:endCxn id="9" idx="0"/>
           </p:cNvCxnSpPr>
           <p:nvPr/>
         </p:nvCxnSpPr>
         <p:spPr>
-          <a:xfrm>
-            <a:off x="1660025" y="3729507"/>
-            <a:ext cx="531725" cy="2632635"/>
+          <a:xfrm rot="16200000" flipH="1">
+            <a:off x="7100976" y="-433380"/>
+            <a:ext cx="379115" cy="2492016"/>
           </a:xfrm>
           <a:prstGeom prst="bentConnector3">
             <a:avLst>
@@ -3864,56 +3838,17 @@
       </p:cxnSp>
       <p:cxnSp>
         <p:nvCxnSpPr>
-          <p:cNvPr id="41" name="Elbow Connector 40"/>
+          <p:cNvPr id="37" name="Elbow Connector 36"/>
           <p:cNvCxnSpPr>
-            <a:stCxn id="6" idx="3"/>
-            <a:endCxn id="11" idx="1"/>
+            <a:stCxn id="4" idx="2"/>
+            <a:endCxn id="10" idx="0"/>
           </p:cNvCxnSpPr>
           <p:nvPr/>
         </p:nvCxnSpPr>
         <p:spPr>
-          <a:xfrm flipV="1">
-            <a:off x="3728450" y="637876"/>
-            <a:ext cx="531725" cy="1333358"/>
-          </a:xfrm>
-          <a:prstGeom prst="bentConnector3">
-            <a:avLst/>
-          </a:prstGeom>
-          <a:ln>
-            <a:solidFill>
-              <a:schemeClr val="tx1"/>
-            </a:solidFill>
-            <a:tailEnd type="triangle"/>
-          </a:ln>
-        </p:spPr>
-        <p:style>
-          <a:lnRef idx="1">
-            <a:schemeClr val="accent1"/>
-          </a:lnRef>
-          <a:fillRef idx="0">
-            <a:schemeClr val="accent1"/>
-          </a:fillRef>
-          <a:effectRef idx="0">
-            <a:schemeClr val="accent1"/>
-          </a:effectRef>
-          <a:fontRef idx="minor">
-            <a:schemeClr val="tx1"/>
-          </a:fontRef>
-        </p:style>
-      </p:cxnSp>
-      <p:cxnSp>
-        <p:nvCxnSpPr>
-          <p:cNvPr id="42" name="Elbow Connector 41"/>
-          <p:cNvCxnSpPr>
-            <a:stCxn id="6" idx="3"/>
-            <a:endCxn id="12" idx="1"/>
-          </p:cNvCxnSpPr>
-          <p:nvPr/>
-        </p:nvCxnSpPr>
-        <p:spPr>
-          <a:xfrm flipV="1">
-            <a:off x="3728450" y="1390653"/>
-            <a:ext cx="531725" cy="580581"/>
+          <a:xfrm rot="16200000" flipH="1">
+            <a:off x="7991848" y="-1324253"/>
+            <a:ext cx="375685" cy="4270331"/>
           </a:xfrm>
           <a:prstGeom prst="bentConnector3">
             <a:avLst>
@@ -3944,17 +3879,17 @@
       </p:cxnSp>
       <p:cxnSp>
         <p:nvCxnSpPr>
-          <p:cNvPr id="45" name="Elbow Connector 44"/>
+          <p:cNvPr id="41" name="Elbow Connector 40"/>
           <p:cNvCxnSpPr>
-            <a:stCxn id="6" idx="3"/>
-            <a:endCxn id="13" idx="1"/>
+            <a:stCxn id="6" idx="2"/>
+            <a:endCxn id="11" idx="0"/>
           </p:cNvCxnSpPr>
           <p:nvPr/>
         </p:nvCxnSpPr>
         <p:spPr>
-          <a:xfrm>
-            <a:off x="3728450" y="1971234"/>
-            <a:ext cx="531725" cy="363854"/>
+          <a:xfrm rot="5400000">
+            <a:off x="1844524" y="912369"/>
+            <a:ext cx="370298" cy="1517130"/>
           </a:xfrm>
           <a:prstGeom prst="bentConnector3">
             <a:avLst>
@@ -3985,17 +3920,99 @@
       </p:cxnSp>
       <p:cxnSp>
         <p:nvCxnSpPr>
-          <p:cNvPr id="48" name="Elbow Connector 47"/>
+          <p:cNvPr id="42" name="Elbow Connector 41"/>
           <p:cNvCxnSpPr>
-            <a:stCxn id="6" idx="3"/>
-            <a:endCxn id="14" idx="1"/>
+            <a:stCxn id="6" idx="2"/>
+            <a:endCxn id="12" idx="0"/>
           </p:cNvCxnSpPr>
           <p:nvPr/>
         </p:nvCxnSpPr>
         <p:spPr>
-          <a:xfrm>
-            <a:off x="3728450" y="1971234"/>
-            <a:ext cx="531725" cy="1379158"/>
+          <a:xfrm rot="16200000" flipH="1">
+            <a:off x="2865322" y="1408700"/>
+            <a:ext cx="375682" cy="529851"/>
+          </a:xfrm>
+          <a:prstGeom prst="bentConnector3">
+            <a:avLst>
+              <a:gd name="adj1" fmla="val 50000"/>
+            </a:avLst>
+          </a:prstGeom>
+          <a:ln>
+            <a:solidFill>
+              <a:schemeClr val="tx1"/>
+            </a:solidFill>
+            <a:tailEnd type="triangle"/>
+          </a:ln>
+        </p:spPr>
+        <p:style>
+          <a:lnRef idx="1">
+            <a:schemeClr val="accent1"/>
+          </a:lnRef>
+          <a:fillRef idx="0">
+            <a:schemeClr val="accent1"/>
+          </a:fillRef>
+          <a:effectRef idx="0">
+            <a:schemeClr val="accent1"/>
+          </a:effectRef>
+          <a:fontRef idx="minor">
+            <a:schemeClr val="tx1"/>
+          </a:fontRef>
+        </p:style>
+      </p:cxnSp>
+      <p:cxnSp>
+        <p:nvCxnSpPr>
+          <p:cNvPr id="45" name="Elbow Connector 44"/>
+          <p:cNvCxnSpPr>
+            <a:stCxn id="6" idx="2"/>
+            <a:endCxn id="13" idx="0"/>
+          </p:cNvCxnSpPr>
+          <p:nvPr/>
+        </p:nvCxnSpPr>
+        <p:spPr>
+          <a:xfrm rot="16200000" flipH="1">
+            <a:off x="4074150" y="199873"/>
+            <a:ext cx="370299" cy="2942122"/>
+          </a:xfrm>
+          <a:prstGeom prst="bentConnector3">
+            <a:avLst>
+              <a:gd name="adj1" fmla="val 50000"/>
+            </a:avLst>
+          </a:prstGeom>
+          <a:ln>
+            <a:solidFill>
+              <a:schemeClr val="tx1"/>
+            </a:solidFill>
+            <a:tailEnd type="triangle"/>
+          </a:ln>
+        </p:spPr>
+        <p:style>
+          <a:lnRef idx="1">
+            <a:schemeClr val="accent1"/>
+          </a:lnRef>
+          <a:fillRef idx="0">
+            <a:schemeClr val="accent1"/>
+          </a:fillRef>
+          <a:effectRef idx="0">
+            <a:schemeClr val="accent1"/>
+          </a:effectRef>
+          <a:fontRef idx="minor">
+            <a:schemeClr val="tx1"/>
+          </a:fontRef>
+        </p:style>
+      </p:cxnSp>
+      <p:cxnSp>
+        <p:nvCxnSpPr>
+          <p:cNvPr id="48" name="Elbow Connector 47"/>
+          <p:cNvCxnSpPr>
+            <a:stCxn id="6" idx="2"/>
+            <a:endCxn id="14" idx="0"/>
+          </p:cNvCxnSpPr>
+          <p:nvPr/>
+        </p:nvCxnSpPr>
+        <p:spPr>
+          <a:xfrm rot="16200000" flipH="1">
+            <a:off x="5300357" y="-1026335"/>
+            <a:ext cx="370298" cy="5394537"/>
           </a:xfrm>
           <a:prstGeom prst="bentConnector3">
             <a:avLst>
